--- a/JAVA设计模式预习.pptx
+++ b/JAVA设计模式预习.pptx
@@ -109,6 +109,11 @@
       </a:defRPr>
     </a:lvl9pPr>
   </p:defaultTextStyle>
+  <p:extLst>
+    <p:ext uri="{EFAFB233-063F-42B5-8137-9DF3F51BA10A}">
+      <p15:sldGuideLst xmlns:p15="http://schemas.microsoft.com/office/powerpoint/2012/main"/>
+    </p:ext>
+  </p:extLst>
 </p:presentation>
 </file>
 
@@ -4008,9 +4013,16 @@
             <p:ph idx="1"/>
           </p:nvPr>
         </p:nvSpPr>
-        <p:spPr/>
-        <p:txBody>
-          <a:bodyPr/>
+        <p:spPr>
+          <a:xfrm>
+            <a:off x="838200" y="1825625"/>
+            <a:ext cx="10515600" cy="2471167"/>
+          </a:xfrm>
+        </p:spPr>
+        <p:txBody>
+          <a:bodyPr>
+            <a:normAutofit lnSpcReduction="10000"/>
+          </a:bodyPr>
           <a:lstStyle/>
           <a:p>
             <a:r>
@@ -4026,16 +4038,89 @@
               <a:t>]</a:t>
             </a:r>
             <a:r>
-              <a:rPr lang="zh-CN" altLang="en-US"/>
+              <a:rPr lang="zh-CN" altLang="en-US" dirty="0"/>
               <a:t>：观察者</a:t>
             </a:r>
             <a:endParaRPr lang="en-US" altLang="zh-CN" dirty="0"/>
           </a:p>
           <a:p>
-            <a:endParaRPr lang="zh-CN" altLang="en-US" dirty="0"/>
-          </a:p>
-        </p:txBody>
-      </p:sp>
+            <a:r>
+              <a:rPr lang="zh-CN" altLang="en-US" dirty="0"/>
+              <a:t>观察者模式定义了对象之间的一对多依赖，这样当一个对象改变状态时，它的所有依赖者都会收到通知并自动更新</a:t>
+            </a:r>
+            <a:endParaRPr lang="en-US" altLang="zh-CN" dirty="0"/>
+          </a:p>
+          <a:p>
+            <a:r>
+              <a:rPr lang="zh-CN" altLang="en-US" dirty="0"/>
+              <a:t>观察者模式主要由主题对象与观察者对象构成，</a:t>
+            </a:r>
+            <a:r>
+              <a:rPr lang="en-US" altLang="zh-CN" dirty="0"/>
+              <a:t>java</a:t>
+            </a:r>
+            <a:r>
+              <a:rPr lang="zh-CN" altLang="en-US" dirty="0"/>
+              <a:t>提供了内置的观察者模式实现类，在</a:t>
+            </a:r>
+            <a:r>
+              <a:rPr lang="en-US" altLang="zh-CN" dirty="0" err="1"/>
+              <a:t>java.util</a:t>
+            </a:r>
+            <a:r>
+              <a:rPr lang="zh-CN" altLang="en-US" dirty="0"/>
+              <a:t>包中，需要继承</a:t>
+            </a:r>
+            <a:r>
+              <a:rPr lang="en-US" altLang="zh-CN" dirty="0"/>
+              <a:t>observer</a:t>
+            </a:r>
+            <a:r>
+              <a:rPr lang="zh-CN" altLang="en-US" dirty="0"/>
+              <a:t>（观察者）与</a:t>
+            </a:r>
+            <a:r>
+              <a:rPr lang="en-US" altLang="zh-CN" dirty="0"/>
+              <a:t>observable</a:t>
+            </a:r>
+            <a:r>
+              <a:rPr lang="zh-CN" altLang="en-US" dirty="0"/>
+              <a:t>（被观察者）</a:t>
+            </a:r>
+            <a:endParaRPr lang="en-US" altLang="zh-CN" dirty="0"/>
+          </a:p>
+        </p:txBody>
+      </p:sp>
+      <p:pic>
+        <p:nvPicPr>
+          <p:cNvPr id="4" name="图片 3">
+            <a:extLst>
+              <a:ext uri="{FF2B5EF4-FFF2-40B4-BE49-F238E27FC236}">
+                <a16:creationId xmlns:a16="http://schemas.microsoft.com/office/drawing/2014/main" id="{F86CD398-6EE2-4A86-817F-816EDE3BC0E0}"/>
+              </a:ext>
+            </a:extLst>
+          </p:cNvPr>
+          <p:cNvPicPr>
+            <a:picLocks noChangeAspect="1"/>
+          </p:cNvPicPr>
+          <p:nvPr/>
+        </p:nvPicPr>
+        <p:blipFill>
+          <a:blip r:embed="rId2"/>
+          <a:stretch>
+            <a:fillRect/>
+          </a:stretch>
+        </p:blipFill>
+        <p:spPr>
+          <a:xfrm>
+            <a:off x="1399906" y="4296792"/>
+            <a:ext cx="9392188" cy="2388093"/>
+          </a:xfrm>
+          <a:prstGeom prst="rect">
+            <a:avLst/>
+          </a:prstGeom>
+        </p:spPr>
+      </p:pic>
     </p:spTree>
     <p:extLst>
       <p:ext uri="{BB962C8B-B14F-4D97-AF65-F5344CB8AC3E}">

--- a/JAVA设计模式预习.pptx
+++ b/JAVA设计模式预习.pptx
@@ -11,6 +11,7 @@
     <p:sldId id="259" r:id="rId5"/>
     <p:sldId id="260" r:id="rId6"/>
     <p:sldId id="261" r:id="rId7"/>
+    <p:sldId id="262" r:id="rId8"/>
   </p:sldIdLst>
   <p:sldSz cx="12192000" cy="6858000"/>
   <p:notesSz cx="6858000" cy="9144000"/>
@@ -264,7 +265,7 @@
           <a:p>
             <a:fld id="{11776E87-269E-4C37-AF7F-13EE683B1B95}" type="datetimeFigureOut">
               <a:rPr lang="zh-CN" altLang="en-US" smtClean="0"/>
-              <a:t>2018/10/23</a:t>
+              <a:t>2018/10/25</a:t>
             </a:fld>
             <a:endParaRPr lang="zh-CN" altLang="en-US"/>
           </a:p>
@@ -462,7 +463,7 @@
           <a:p>
             <a:fld id="{11776E87-269E-4C37-AF7F-13EE683B1B95}" type="datetimeFigureOut">
               <a:rPr lang="zh-CN" altLang="en-US" smtClean="0"/>
-              <a:t>2018/10/23</a:t>
+              <a:t>2018/10/25</a:t>
             </a:fld>
             <a:endParaRPr lang="zh-CN" altLang="en-US"/>
           </a:p>
@@ -670,7 +671,7 @@
           <a:p>
             <a:fld id="{11776E87-269E-4C37-AF7F-13EE683B1B95}" type="datetimeFigureOut">
               <a:rPr lang="zh-CN" altLang="en-US" smtClean="0"/>
-              <a:t>2018/10/23</a:t>
+              <a:t>2018/10/25</a:t>
             </a:fld>
             <a:endParaRPr lang="zh-CN" altLang="en-US"/>
           </a:p>
@@ -868,7 +869,7 @@
           <a:p>
             <a:fld id="{11776E87-269E-4C37-AF7F-13EE683B1B95}" type="datetimeFigureOut">
               <a:rPr lang="zh-CN" altLang="en-US" smtClean="0"/>
-              <a:t>2018/10/23</a:t>
+              <a:t>2018/10/25</a:t>
             </a:fld>
             <a:endParaRPr lang="zh-CN" altLang="en-US"/>
           </a:p>
@@ -1143,7 +1144,7 @@
           <a:p>
             <a:fld id="{11776E87-269E-4C37-AF7F-13EE683B1B95}" type="datetimeFigureOut">
               <a:rPr lang="zh-CN" altLang="en-US" smtClean="0"/>
-              <a:t>2018/10/23</a:t>
+              <a:t>2018/10/25</a:t>
             </a:fld>
             <a:endParaRPr lang="zh-CN" altLang="en-US"/>
           </a:p>
@@ -1408,7 +1409,7 @@
           <a:p>
             <a:fld id="{11776E87-269E-4C37-AF7F-13EE683B1B95}" type="datetimeFigureOut">
               <a:rPr lang="zh-CN" altLang="en-US" smtClean="0"/>
-              <a:t>2018/10/23</a:t>
+              <a:t>2018/10/25</a:t>
             </a:fld>
             <a:endParaRPr lang="zh-CN" altLang="en-US"/>
           </a:p>
@@ -1820,7 +1821,7 @@
           <a:p>
             <a:fld id="{11776E87-269E-4C37-AF7F-13EE683B1B95}" type="datetimeFigureOut">
               <a:rPr lang="zh-CN" altLang="en-US" smtClean="0"/>
-              <a:t>2018/10/23</a:t>
+              <a:t>2018/10/25</a:t>
             </a:fld>
             <a:endParaRPr lang="zh-CN" altLang="en-US"/>
           </a:p>
@@ -1961,7 +1962,7 @@
           <a:p>
             <a:fld id="{11776E87-269E-4C37-AF7F-13EE683B1B95}" type="datetimeFigureOut">
               <a:rPr lang="zh-CN" altLang="en-US" smtClean="0"/>
-              <a:t>2018/10/23</a:t>
+              <a:t>2018/10/25</a:t>
             </a:fld>
             <a:endParaRPr lang="zh-CN" altLang="en-US"/>
           </a:p>
@@ -2074,7 +2075,7 @@
           <a:p>
             <a:fld id="{11776E87-269E-4C37-AF7F-13EE683B1B95}" type="datetimeFigureOut">
               <a:rPr lang="zh-CN" altLang="en-US" smtClean="0"/>
-              <a:t>2018/10/23</a:t>
+              <a:t>2018/10/25</a:t>
             </a:fld>
             <a:endParaRPr lang="zh-CN" altLang="en-US"/>
           </a:p>
@@ -2385,7 +2386,7 @@
           <a:p>
             <a:fld id="{11776E87-269E-4C37-AF7F-13EE683B1B95}" type="datetimeFigureOut">
               <a:rPr lang="zh-CN" altLang="en-US" smtClean="0"/>
-              <a:t>2018/10/23</a:t>
+              <a:t>2018/10/25</a:t>
             </a:fld>
             <a:endParaRPr lang="zh-CN" altLang="en-US"/>
           </a:p>
@@ -2673,7 +2674,7 @@
           <a:p>
             <a:fld id="{11776E87-269E-4C37-AF7F-13EE683B1B95}" type="datetimeFigureOut">
               <a:rPr lang="zh-CN" altLang="en-US" smtClean="0"/>
-              <a:t>2018/10/23</a:t>
+              <a:t>2018/10/25</a:t>
             </a:fld>
             <a:endParaRPr lang="zh-CN" altLang="en-US"/>
           </a:p>
@@ -2914,7 +2915,7 @@
           <a:p>
             <a:fld id="{11776E87-269E-4C37-AF7F-13EE683B1B95}" type="datetimeFigureOut">
               <a:rPr lang="zh-CN" altLang="en-US" smtClean="0"/>
-              <a:t>2018/10/23</a:t>
+              <a:t>2018/10/25</a:t>
             </a:fld>
             <a:endParaRPr lang="zh-CN" altLang="en-US"/>
           </a:p>
@@ -4134,6 +4135,172 @@
 </p:sld>
 </file>
 
+<file path=ppt/slides/slide7.xml><?xml version="1.0" encoding="utf-8"?>
+<p:sld xmlns:a="http://schemas.openxmlformats.org/drawingml/2006/main" xmlns:r="http://schemas.openxmlformats.org/officeDocument/2006/relationships" xmlns:p="http://schemas.openxmlformats.org/presentationml/2006/main">
+  <p:cSld>
+    <p:spTree>
+      <p:nvGrpSpPr>
+        <p:cNvPr id="1" name=""/>
+        <p:cNvGrpSpPr/>
+        <p:nvPr/>
+      </p:nvGrpSpPr>
+      <p:grpSpPr>
+        <a:xfrm>
+          <a:off x="0" y="0"/>
+          <a:ext cx="0" cy="0"/>
+          <a:chOff x="0" y="0"/>
+          <a:chExt cx="0" cy="0"/>
+        </a:xfrm>
+      </p:grpSpPr>
+      <p:sp>
+        <p:nvSpPr>
+          <p:cNvPr id="2" name="标题 1">
+            <a:extLst>
+              <a:ext uri="{FF2B5EF4-FFF2-40B4-BE49-F238E27FC236}">
+                <a16:creationId xmlns:a16="http://schemas.microsoft.com/office/drawing/2014/main" id="{6E0868AC-E11D-4C59-ADEC-A596E92EFD92}"/>
+              </a:ext>
+            </a:extLst>
+          </p:cNvPr>
+          <p:cNvSpPr>
+            <a:spLocks noGrp="1"/>
+          </p:cNvSpPr>
+          <p:nvPr>
+            <p:ph type="title"/>
+          </p:nvPr>
+        </p:nvSpPr>
+        <p:spPr/>
+        <p:txBody>
+          <a:bodyPr/>
+          <a:lstStyle/>
+          <a:p>
+            <a:r>
+              <a:rPr lang="zh-CN" altLang="en-US" dirty="0"/>
+              <a:t>设计模式</a:t>
+            </a:r>
+            <a:r>
+              <a:rPr lang="en-US" altLang="zh-CN" dirty="0"/>
+              <a:t>-</a:t>
+            </a:r>
+            <a:r>
+              <a:rPr lang="zh-CN" altLang="en-US" dirty="0"/>
+              <a:t>装饰模式</a:t>
+            </a:r>
+          </a:p>
+        </p:txBody>
+      </p:sp>
+      <p:sp>
+        <p:nvSpPr>
+          <p:cNvPr id="3" name="内容占位符 2">
+            <a:extLst>
+              <a:ext uri="{FF2B5EF4-FFF2-40B4-BE49-F238E27FC236}">
+                <a16:creationId xmlns:a16="http://schemas.microsoft.com/office/drawing/2014/main" id="{8894B23B-1697-496D-9D3F-8E0C117D28D9}"/>
+              </a:ext>
+            </a:extLst>
+          </p:cNvPr>
+          <p:cNvSpPr>
+            <a:spLocks noGrp="1"/>
+          </p:cNvSpPr>
+          <p:nvPr>
+            <p:ph idx="1"/>
+          </p:nvPr>
+        </p:nvSpPr>
+        <p:spPr>
+          <a:xfrm>
+            <a:off x="838200" y="5015883"/>
+            <a:ext cx="10515600" cy="1161080"/>
+          </a:xfrm>
+        </p:spPr>
+        <p:txBody>
+          <a:bodyPr/>
+          <a:lstStyle/>
+          <a:p>
+            <a:r>
+              <a:rPr lang="zh-CN" altLang="en-US" dirty="0"/>
+              <a:t>通过装饰器对象来包装需要装饰的对象</a:t>
+            </a:r>
+            <a:endParaRPr lang="en-US" altLang="zh-CN" dirty="0"/>
+          </a:p>
+          <a:p>
+            <a:r>
+              <a:rPr lang="zh-CN" altLang="en-US" dirty="0"/>
+              <a:t>我们可以将设计理论想想为装饰材料与被装饰的对象</a:t>
+            </a:r>
+          </a:p>
+        </p:txBody>
+      </p:sp>
+      <p:pic>
+        <p:nvPicPr>
+          <p:cNvPr id="4" name="图片 3">
+            <a:extLst>
+              <a:ext uri="{FF2B5EF4-FFF2-40B4-BE49-F238E27FC236}">
+                <a16:creationId xmlns:a16="http://schemas.microsoft.com/office/drawing/2014/main" id="{6DBB0AD3-7B57-4C7B-9C62-626A43C588BF}"/>
+              </a:ext>
+            </a:extLst>
+          </p:cNvPr>
+          <p:cNvPicPr>
+            <a:picLocks noChangeAspect="1"/>
+          </p:cNvPicPr>
+          <p:nvPr/>
+        </p:nvPicPr>
+        <p:blipFill>
+          <a:blip r:embed="rId2"/>
+          <a:stretch>
+            <a:fillRect/>
+          </a:stretch>
+        </p:blipFill>
+        <p:spPr>
+          <a:xfrm>
+            <a:off x="838201" y="1352041"/>
+            <a:ext cx="4815979" cy="3441901"/>
+          </a:xfrm>
+          <a:prstGeom prst="rect">
+            <a:avLst/>
+          </a:prstGeom>
+        </p:spPr>
+      </p:pic>
+      <p:pic>
+        <p:nvPicPr>
+          <p:cNvPr id="5" name="图片 4">
+            <a:extLst>
+              <a:ext uri="{FF2B5EF4-FFF2-40B4-BE49-F238E27FC236}">
+                <a16:creationId xmlns:a16="http://schemas.microsoft.com/office/drawing/2014/main" id="{3278ADBF-DB66-45E2-86D5-440715148259}"/>
+              </a:ext>
+            </a:extLst>
+          </p:cNvPr>
+          <p:cNvPicPr>
+            <a:picLocks noChangeAspect="1"/>
+          </p:cNvPicPr>
+          <p:nvPr/>
+        </p:nvPicPr>
+        <p:blipFill>
+          <a:blip r:embed="rId3"/>
+          <a:stretch>
+            <a:fillRect/>
+          </a:stretch>
+        </p:blipFill>
+        <p:spPr>
+          <a:xfrm>
+            <a:off x="6096000" y="1352042"/>
+            <a:ext cx="5624119" cy="3663842"/>
+          </a:xfrm>
+          <a:prstGeom prst="rect">
+            <a:avLst/>
+          </a:prstGeom>
+        </p:spPr>
+      </p:pic>
+    </p:spTree>
+    <p:extLst>
+      <p:ext uri="{BB962C8B-B14F-4D97-AF65-F5344CB8AC3E}">
+        <p14:creationId xmlns:p14="http://schemas.microsoft.com/office/powerpoint/2010/main" val="2689316220"/>
+      </p:ext>
+    </p:extLst>
+  </p:cSld>
+  <p:clrMapOvr>
+    <a:masterClrMapping/>
+  </p:clrMapOvr>
+</p:sld>
+</file>
+
 <file path=ppt/theme/theme1.xml><?xml version="1.0" encoding="utf-8"?>
 <a:theme xmlns:a="http://schemas.openxmlformats.org/drawingml/2006/main" name="Office 主题​​">
   <a:themeElements>

--- a/JAVA设计模式预习.pptx
+++ b/JAVA设计模式预习.pptx
@@ -12,6 +12,11 @@
     <p:sldId id="260" r:id="rId6"/>
     <p:sldId id="261" r:id="rId7"/>
     <p:sldId id="262" r:id="rId8"/>
+    <p:sldId id="263" r:id="rId9"/>
+    <p:sldId id="264" r:id="rId10"/>
+    <p:sldId id="265" r:id="rId11"/>
+    <p:sldId id="266" r:id="rId12"/>
+    <p:sldId id="267" r:id="rId13"/>
   </p:sldIdLst>
   <p:sldSz cx="12192000" cy="6858000"/>
   <p:notesSz cx="6858000" cy="9144000"/>
@@ -111,6 +116,26 @@
     </a:lvl9pPr>
   </p:defaultTextStyle>
   <p:extLst>
+    <p:ext uri="{521415D9-36F7-43E2-AB2F-B90AF26B5E84}">
+      <p14:sectionLst xmlns:p14="http://schemas.microsoft.com/office/powerpoint/2010/main">
+        <p14:section name="默认节" id="{92FA21C3-B2AF-436B-B308-27FB3FAFBB40}">
+          <p14:sldIdLst>
+            <p14:sldId id="256"/>
+            <p14:sldId id="257"/>
+            <p14:sldId id="258"/>
+            <p14:sldId id="259"/>
+            <p14:sldId id="260"/>
+            <p14:sldId id="261"/>
+            <p14:sldId id="262"/>
+            <p14:sldId id="263"/>
+            <p14:sldId id="264"/>
+            <p14:sldId id="265"/>
+            <p14:sldId id="266"/>
+            <p14:sldId id="267"/>
+          </p14:sldIdLst>
+        </p14:section>
+      </p14:sectionLst>
+    </p:ext>
     <p:ext uri="{EFAFB233-063F-42B5-8137-9DF3F51BA10A}">
       <p15:sldGuideLst xmlns:p15="http://schemas.microsoft.com/office/powerpoint/2012/main"/>
     </p:ext>
@@ -265,7 +290,7 @@
           <a:p>
             <a:fld id="{11776E87-269E-4C37-AF7F-13EE683B1B95}" type="datetimeFigureOut">
               <a:rPr lang="zh-CN" altLang="en-US" smtClean="0"/>
-              <a:t>2018/10/25</a:t>
+              <a:t>2018/10/27</a:t>
             </a:fld>
             <a:endParaRPr lang="zh-CN" altLang="en-US"/>
           </a:p>
@@ -463,7 +488,7 @@
           <a:p>
             <a:fld id="{11776E87-269E-4C37-AF7F-13EE683B1B95}" type="datetimeFigureOut">
               <a:rPr lang="zh-CN" altLang="en-US" smtClean="0"/>
-              <a:t>2018/10/25</a:t>
+              <a:t>2018/10/27</a:t>
             </a:fld>
             <a:endParaRPr lang="zh-CN" altLang="en-US"/>
           </a:p>
@@ -671,7 +696,7 @@
           <a:p>
             <a:fld id="{11776E87-269E-4C37-AF7F-13EE683B1B95}" type="datetimeFigureOut">
               <a:rPr lang="zh-CN" altLang="en-US" smtClean="0"/>
-              <a:t>2018/10/25</a:t>
+              <a:t>2018/10/27</a:t>
             </a:fld>
             <a:endParaRPr lang="zh-CN" altLang="en-US"/>
           </a:p>
@@ -869,7 +894,7 @@
           <a:p>
             <a:fld id="{11776E87-269E-4C37-AF7F-13EE683B1B95}" type="datetimeFigureOut">
               <a:rPr lang="zh-CN" altLang="en-US" smtClean="0"/>
-              <a:t>2018/10/25</a:t>
+              <a:t>2018/10/27</a:t>
             </a:fld>
             <a:endParaRPr lang="zh-CN" altLang="en-US"/>
           </a:p>
@@ -1144,7 +1169,7 @@
           <a:p>
             <a:fld id="{11776E87-269E-4C37-AF7F-13EE683B1B95}" type="datetimeFigureOut">
               <a:rPr lang="zh-CN" altLang="en-US" smtClean="0"/>
-              <a:t>2018/10/25</a:t>
+              <a:t>2018/10/27</a:t>
             </a:fld>
             <a:endParaRPr lang="zh-CN" altLang="en-US"/>
           </a:p>
@@ -1409,7 +1434,7 @@
           <a:p>
             <a:fld id="{11776E87-269E-4C37-AF7F-13EE683B1B95}" type="datetimeFigureOut">
               <a:rPr lang="zh-CN" altLang="en-US" smtClean="0"/>
-              <a:t>2018/10/25</a:t>
+              <a:t>2018/10/27</a:t>
             </a:fld>
             <a:endParaRPr lang="zh-CN" altLang="en-US"/>
           </a:p>
@@ -1821,7 +1846,7 @@
           <a:p>
             <a:fld id="{11776E87-269E-4C37-AF7F-13EE683B1B95}" type="datetimeFigureOut">
               <a:rPr lang="zh-CN" altLang="en-US" smtClean="0"/>
-              <a:t>2018/10/25</a:t>
+              <a:t>2018/10/27</a:t>
             </a:fld>
             <a:endParaRPr lang="zh-CN" altLang="en-US"/>
           </a:p>
@@ -1962,7 +1987,7 @@
           <a:p>
             <a:fld id="{11776E87-269E-4C37-AF7F-13EE683B1B95}" type="datetimeFigureOut">
               <a:rPr lang="zh-CN" altLang="en-US" smtClean="0"/>
-              <a:t>2018/10/25</a:t>
+              <a:t>2018/10/27</a:t>
             </a:fld>
             <a:endParaRPr lang="zh-CN" altLang="en-US"/>
           </a:p>
@@ -2075,7 +2100,7 @@
           <a:p>
             <a:fld id="{11776E87-269E-4C37-AF7F-13EE683B1B95}" type="datetimeFigureOut">
               <a:rPr lang="zh-CN" altLang="en-US" smtClean="0"/>
-              <a:t>2018/10/25</a:t>
+              <a:t>2018/10/27</a:t>
             </a:fld>
             <a:endParaRPr lang="zh-CN" altLang="en-US"/>
           </a:p>
@@ -2386,7 +2411,7 @@
           <a:p>
             <a:fld id="{11776E87-269E-4C37-AF7F-13EE683B1B95}" type="datetimeFigureOut">
               <a:rPr lang="zh-CN" altLang="en-US" smtClean="0"/>
-              <a:t>2018/10/25</a:t>
+              <a:t>2018/10/27</a:t>
             </a:fld>
             <a:endParaRPr lang="zh-CN" altLang="en-US"/>
           </a:p>
@@ -2674,7 +2699,7 @@
           <a:p>
             <a:fld id="{11776E87-269E-4C37-AF7F-13EE683B1B95}" type="datetimeFigureOut">
               <a:rPr lang="zh-CN" altLang="en-US" smtClean="0"/>
-              <a:t>2018/10/25</a:t>
+              <a:t>2018/10/27</a:t>
             </a:fld>
             <a:endParaRPr lang="zh-CN" altLang="en-US"/>
           </a:p>
@@ -2915,7 +2940,7 @@
           <a:p>
             <a:fld id="{11776E87-269E-4C37-AF7F-13EE683B1B95}" type="datetimeFigureOut">
               <a:rPr lang="zh-CN" altLang="en-US" smtClean="0"/>
-              <a:t>2018/10/25</a:t>
+              <a:t>2018/10/27</a:t>
             </a:fld>
             <a:endParaRPr lang="zh-CN" altLang="en-US"/>
           </a:p>
@@ -3402,6 +3427,284 @@
 </p:sld>
 </file>
 
+<file path=ppt/slides/slide10.xml><?xml version="1.0" encoding="utf-8"?>
+<p:sld xmlns:a="http://schemas.openxmlformats.org/drawingml/2006/main" xmlns:r="http://schemas.openxmlformats.org/officeDocument/2006/relationships" xmlns:p="http://schemas.openxmlformats.org/presentationml/2006/main">
+  <p:cSld>
+    <p:spTree>
+      <p:nvGrpSpPr>
+        <p:cNvPr id="1" name=""/>
+        <p:cNvGrpSpPr/>
+        <p:nvPr/>
+      </p:nvGrpSpPr>
+      <p:grpSpPr>
+        <a:xfrm>
+          <a:off x="0" y="0"/>
+          <a:ext cx="0" cy="0"/>
+          <a:chOff x="0" y="0"/>
+          <a:chExt cx="0" cy="0"/>
+        </a:xfrm>
+      </p:grpSpPr>
+      <p:sp>
+        <p:nvSpPr>
+          <p:cNvPr id="2" name="标题 1">
+            <a:extLst>
+              <a:ext uri="{FF2B5EF4-FFF2-40B4-BE49-F238E27FC236}">
+                <a16:creationId xmlns:a16="http://schemas.microsoft.com/office/drawing/2014/main" id="{E924C9E3-0DCA-4743-860D-8AE161AECCC5}"/>
+              </a:ext>
+            </a:extLst>
+          </p:cNvPr>
+          <p:cNvSpPr>
+            <a:spLocks noGrp="1"/>
+          </p:cNvSpPr>
+          <p:nvPr>
+            <p:ph type="title"/>
+          </p:nvPr>
+        </p:nvSpPr>
+        <p:spPr/>
+        <p:txBody>
+          <a:bodyPr/>
+          <a:lstStyle/>
+          <a:p>
+            <a:r>
+              <a:rPr lang="zh-CN" altLang="en-US" dirty="0"/>
+              <a:t>设计模式</a:t>
+            </a:r>
+            <a:r>
+              <a:rPr lang="en-US" altLang="zh-CN" dirty="0"/>
+              <a:t>-</a:t>
+            </a:r>
+            <a:r>
+              <a:rPr lang="zh-CN" altLang="en-US" dirty="0"/>
+              <a:t>命令模式</a:t>
+            </a:r>
+          </a:p>
+        </p:txBody>
+      </p:sp>
+      <p:pic>
+        <p:nvPicPr>
+          <p:cNvPr id="4" name="图片 3">
+            <a:extLst>
+              <a:ext uri="{FF2B5EF4-FFF2-40B4-BE49-F238E27FC236}">
+                <a16:creationId xmlns:a16="http://schemas.microsoft.com/office/drawing/2014/main" id="{4C7641FD-7B88-44D3-81A4-8FFB46BFEB70}"/>
+              </a:ext>
+            </a:extLst>
+          </p:cNvPr>
+          <p:cNvPicPr>
+            <a:picLocks noChangeAspect="1"/>
+          </p:cNvPicPr>
+          <p:nvPr/>
+        </p:nvPicPr>
+        <p:blipFill>
+          <a:blip r:embed="rId2"/>
+          <a:stretch>
+            <a:fillRect/>
+          </a:stretch>
+        </p:blipFill>
+        <p:spPr>
+          <a:xfrm>
+            <a:off x="1757055" y="1526795"/>
+            <a:ext cx="8157771" cy="4819475"/>
+          </a:xfrm>
+          <a:prstGeom prst="rect">
+            <a:avLst/>
+          </a:prstGeom>
+        </p:spPr>
+      </p:pic>
+    </p:spTree>
+    <p:extLst>
+      <p:ext uri="{BB962C8B-B14F-4D97-AF65-F5344CB8AC3E}">
+        <p14:creationId xmlns:p14="http://schemas.microsoft.com/office/powerpoint/2010/main" val="1374385930"/>
+      </p:ext>
+    </p:extLst>
+  </p:cSld>
+  <p:clrMapOvr>
+    <a:masterClrMapping/>
+  </p:clrMapOvr>
+</p:sld>
+</file>
+
+<file path=ppt/slides/slide11.xml><?xml version="1.0" encoding="utf-8"?>
+<p:sld xmlns:a="http://schemas.openxmlformats.org/drawingml/2006/main" xmlns:r="http://schemas.openxmlformats.org/officeDocument/2006/relationships" xmlns:p="http://schemas.openxmlformats.org/presentationml/2006/main">
+  <p:cSld>
+    <p:spTree>
+      <p:nvGrpSpPr>
+        <p:cNvPr id="1" name=""/>
+        <p:cNvGrpSpPr/>
+        <p:nvPr/>
+      </p:nvGrpSpPr>
+      <p:grpSpPr>
+        <a:xfrm>
+          <a:off x="0" y="0"/>
+          <a:ext cx="0" cy="0"/>
+          <a:chOff x="0" y="0"/>
+          <a:chExt cx="0" cy="0"/>
+        </a:xfrm>
+      </p:grpSpPr>
+      <p:sp>
+        <p:nvSpPr>
+          <p:cNvPr id="2" name="标题 1">
+            <a:extLst>
+              <a:ext uri="{FF2B5EF4-FFF2-40B4-BE49-F238E27FC236}">
+                <a16:creationId xmlns:a16="http://schemas.microsoft.com/office/drawing/2014/main" id="{8C50B6E1-75B6-4418-B137-5577B9AC88A4}"/>
+              </a:ext>
+            </a:extLst>
+          </p:cNvPr>
+          <p:cNvSpPr>
+            <a:spLocks noGrp="1"/>
+          </p:cNvSpPr>
+          <p:nvPr>
+            <p:ph type="title"/>
+          </p:nvPr>
+        </p:nvSpPr>
+        <p:spPr/>
+        <p:txBody>
+          <a:bodyPr/>
+          <a:lstStyle/>
+          <a:p>
+            <a:r>
+              <a:rPr lang="zh-CN" altLang="en-US" dirty="0"/>
+              <a:t>设计模式</a:t>
+            </a:r>
+            <a:r>
+              <a:rPr lang="en-US" altLang="zh-CN" dirty="0"/>
+              <a:t>-</a:t>
+            </a:r>
+            <a:r>
+              <a:rPr lang="zh-CN" altLang="en-US" dirty="0"/>
+              <a:t>适配器模式</a:t>
+            </a:r>
+          </a:p>
+        </p:txBody>
+      </p:sp>
+      <p:sp>
+        <p:nvSpPr>
+          <p:cNvPr id="3" name="内容占位符 2">
+            <a:extLst>
+              <a:ext uri="{FF2B5EF4-FFF2-40B4-BE49-F238E27FC236}">
+                <a16:creationId xmlns:a16="http://schemas.microsoft.com/office/drawing/2014/main" id="{CF293518-74E7-4ECB-9A3B-3E9F60DD15BD}"/>
+              </a:ext>
+            </a:extLst>
+          </p:cNvPr>
+          <p:cNvSpPr>
+            <a:spLocks noGrp="1"/>
+          </p:cNvSpPr>
+          <p:nvPr>
+            <p:ph idx="1"/>
+          </p:nvPr>
+        </p:nvSpPr>
+        <p:spPr/>
+        <p:txBody>
+          <a:bodyPr/>
+          <a:lstStyle/>
+          <a:p>
+            <a:endParaRPr lang="zh-CN" altLang="en-US"/>
+          </a:p>
+        </p:txBody>
+      </p:sp>
+    </p:spTree>
+    <p:extLst>
+      <p:ext uri="{BB962C8B-B14F-4D97-AF65-F5344CB8AC3E}">
+        <p14:creationId xmlns:p14="http://schemas.microsoft.com/office/powerpoint/2010/main" val="2929447766"/>
+      </p:ext>
+    </p:extLst>
+  </p:cSld>
+  <p:clrMapOvr>
+    <a:masterClrMapping/>
+  </p:clrMapOvr>
+</p:sld>
+</file>
+
+<file path=ppt/slides/slide12.xml><?xml version="1.0" encoding="utf-8"?>
+<p:sld xmlns:a="http://schemas.openxmlformats.org/drawingml/2006/main" xmlns:r="http://schemas.openxmlformats.org/officeDocument/2006/relationships" xmlns:p="http://schemas.openxmlformats.org/presentationml/2006/main">
+  <p:cSld>
+    <p:spTree>
+      <p:nvGrpSpPr>
+        <p:cNvPr id="1" name=""/>
+        <p:cNvGrpSpPr/>
+        <p:nvPr/>
+      </p:nvGrpSpPr>
+      <p:grpSpPr>
+        <a:xfrm>
+          <a:off x="0" y="0"/>
+          <a:ext cx="0" cy="0"/>
+          <a:chOff x="0" y="0"/>
+          <a:chExt cx="0" cy="0"/>
+        </a:xfrm>
+      </p:grpSpPr>
+      <p:sp>
+        <p:nvSpPr>
+          <p:cNvPr id="2" name="标题 1">
+            <a:extLst>
+              <a:ext uri="{FF2B5EF4-FFF2-40B4-BE49-F238E27FC236}">
+                <a16:creationId xmlns:a16="http://schemas.microsoft.com/office/drawing/2014/main" id="{E179401F-380E-45F8-8CCC-809A75982933}"/>
+              </a:ext>
+            </a:extLst>
+          </p:cNvPr>
+          <p:cNvSpPr>
+            <a:spLocks noGrp="1"/>
+          </p:cNvSpPr>
+          <p:nvPr>
+            <p:ph type="title"/>
+          </p:nvPr>
+        </p:nvSpPr>
+        <p:spPr/>
+        <p:txBody>
+          <a:bodyPr/>
+          <a:lstStyle/>
+          <a:p>
+            <a:r>
+              <a:rPr lang="zh-CN" altLang="en-US" dirty="0"/>
+              <a:t>设计模式</a:t>
+            </a:r>
+            <a:r>
+              <a:rPr lang="en-US" altLang="zh-CN" dirty="0"/>
+              <a:t>-</a:t>
+            </a:r>
+            <a:r>
+              <a:rPr lang="zh-CN" altLang="en-US" dirty="0"/>
+              <a:t>外观模式</a:t>
+            </a:r>
+          </a:p>
+        </p:txBody>
+      </p:sp>
+      <p:sp>
+        <p:nvSpPr>
+          <p:cNvPr id="3" name="内容占位符 2">
+            <a:extLst>
+              <a:ext uri="{FF2B5EF4-FFF2-40B4-BE49-F238E27FC236}">
+                <a16:creationId xmlns:a16="http://schemas.microsoft.com/office/drawing/2014/main" id="{57D62FB8-9B3E-4D6F-A592-309BC2486AF5}"/>
+              </a:ext>
+            </a:extLst>
+          </p:cNvPr>
+          <p:cNvSpPr>
+            <a:spLocks noGrp="1"/>
+          </p:cNvSpPr>
+          <p:nvPr>
+            <p:ph idx="1"/>
+          </p:nvPr>
+        </p:nvSpPr>
+        <p:spPr/>
+        <p:txBody>
+          <a:bodyPr/>
+          <a:lstStyle/>
+          <a:p>
+            <a:endParaRPr lang="zh-CN" altLang="en-US"/>
+          </a:p>
+        </p:txBody>
+      </p:sp>
+    </p:spTree>
+    <p:extLst>
+      <p:ext uri="{BB962C8B-B14F-4D97-AF65-F5344CB8AC3E}">
+        <p14:creationId xmlns:p14="http://schemas.microsoft.com/office/powerpoint/2010/main" val="2943848542"/>
+      </p:ext>
+    </p:extLst>
+  </p:cSld>
+  <p:clrMapOvr>
+    <a:masterClrMapping/>
+  </p:clrMapOvr>
+</p:sld>
+</file>
+
 <file path=ppt/slides/slide2.xml><?xml version="1.0" encoding="utf-8"?>
 <p:sld xmlns:a="http://schemas.openxmlformats.org/drawingml/2006/main" xmlns:r="http://schemas.openxmlformats.org/officeDocument/2006/relationships" xmlns:p="http://schemas.openxmlformats.org/presentationml/2006/main">
   <p:cSld>
@@ -4292,6 +4595,369 @@
     <p:extLst>
       <p:ext uri="{BB962C8B-B14F-4D97-AF65-F5344CB8AC3E}">
         <p14:creationId xmlns:p14="http://schemas.microsoft.com/office/powerpoint/2010/main" val="2689316220"/>
+      </p:ext>
+    </p:extLst>
+  </p:cSld>
+  <p:clrMapOvr>
+    <a:masterClrMapping/>
+  </p:clrMapOvr>
+</p:sld>
+</file>
+
+<file path=ppt/slides/slide8.xml><?xml version="1.0" encoding="utf-8"?>
+<p:sld xmlns:a="http://schemas.openxmlformats.org/drawingml/2006/main" xmlns:r="http://schemas.openxmlformats.org/officeDocument/2006/relationships" xmlns:p="http://schemas.openxmlformats.org/presentationml/2006/main">
+  <p:cSld>
+    <p:spTree>
+      <p:nvGrpSpPr>
+        <p:cNvPr id="1" name=""/>
+        <p:cNvGrpSpPr/>
+        <p:nvPr/>
+      </p:nvGrpSpPr>
+      <p:grpSpPr>
+        <a:xfrm>
+          <a:off x="0" y="0"/>
+          <a:ext cx="0" cy="0"/>
+          <a:chOff x="0" y="0"/>
+          <a:chExt cx="0" cy="0"/>
+        </a:xfrm>
+      </p:grpSpPr>
+      <p:sp>
+        <p:nvSpPr>
+          <p:cNvPr id="2" name="标题 1">
+            <a:extLst>
+              <a:ext uri="{FF2B5EF4-FFF2-40B4-BE49-F238E27FC236}">
+                <a16:creationId xmlns:a16="http://schemas.microsoft.com/office/drawing/2014/main" id="{9E51A03C-CB5A-4B6D-9DA2-948C5DBA960D}"/>
+              </a:ext>
+            </a:extLst>
+          </p:cNvPr>
+          <p:cNvSpPr>
+            <a:spLocks noGrp="1"/>
+          </p:cNvSpPr>
+          <p:nvPr>
+            <p:ph type="title"/>
+          </p:nvPr>
+        </p:nvSpPr>
+        <p:spPr/>
+        <p:txBody>
+          <a:bodyPr/>
+          <a:lstStyle/>
+          <a:p>
+            <a:r>
+              <a:rPr lang="zh-CN" altLang="en-US" dirty="0"/>
+              <a:t>设计模式</a:t>
+            </a:r>
+            <a:r>
+              <a:rPr lang="en-US" altLang="zh-CN" dirty="0"/>
+              <a:t>-</a:t>
+            </a:r>
+            <a:r>
+              <a:rPr lang="zh-CN" altLang="en-US" dirty="0"/>
+              <a:t>工厂模式</a:t>
+            </a:r>
+          </a:p>
+        </p:txBody>
+      </p:sp>
+      <p:pic>
+        <p:nvPicPr>
+          <p:cNvPr id="4" name="图片 3">
+            <a:extLst>
+              <a:ext uri="{FF2B5EF4-FFF2-40B4-BE49-F238E27FC236}">
+                <a16:creationId xmlns:a16="http://schemas.microsoft.com/office/drawing/2014/main" id="{59B72CAD-3F7D-45FF-9412-F0E41FBFE54D}"/>
+              </a:ext>
+            </a:extLst>
+          </p:cNvPr>
+          <p:cNvPicPr>
+            <a:picLocks noChangeAspect="1"/>
+          </p:cNvPicPr>
+          <p:nvPr/>
+        </p:nvPicPr>
+        <p:blipFill>
+          <a:blip r:embed="rId2"/>
+          <a:stretch>
+            <a:fillRect/>
+          </a:stretch>
+        </p:blipFill>
+        <p:spPr>
+          <a:xfrm>
+            <a:off x="1630822" y="1560352"/>
+            <a:ext cx="8930356" cy="4152551"/>
+          </a:xfrm>
+          <a:prstGeom prst="rect">
+            <a:avLst/>
+          </a:prstGeom>
+        </p:spPr>
+      </p:pic>
+    </p:spTree>
+    <p:extLst>
+      <p:ext uri="{BB962C8B-B14F-4D97-AF65-F5344CB8AC3E}">
+        <p14:creationId xmlns:p14="http://schemas.microsoft.com/office/powerpoint/2010/main" val="354889199"/>
+      </p:ext>
+    </p:extLst>
+  </p:cSld>
+  <p:clrMapOvr>
+    <a:masterClrMapping/>
+  </p:clrMapOvr>
+</p:sld>
+</file>
+
+<file path=ppt/slides/slide9.xml><?xml version="1.0" encoding="utf-8"?>
+<p:sld xmlns:a="http://schemas.openxmlformats.org/drawingml/2006/main" xmlns:r="http://schemas.openxmlformats.org/officeDocument/2006/relationships" xmlns:p="http://schemas.openxmlformats.org/presentationml/2006/main">
+  <p:cSld>
+    <p:spTree>
+      <p:nvGrpSpPr>
+        <p:cNvPr id="1" name=""/>
+        <p:cNvGrpSpPr/>
+        <p:nvPr/>
+      </p:nvGrpSpPr>
+      <p:grpSpPr>
+        <a:xfrm>
+          <a:off x="0" y="0"/>
+          <a:ext cx="0" cy="0"/>
+          <a:chOff x="0" y="0"/>
+          <a:chExt cx="0" cy="0"/>
+        </a:xfrm>
+      </p:grpSpPr>
+      <p:sp>
+        <p:nvSpPr>
+          <p:cNvPr id="2" name="标题 1">
+            <a:extLst>
+              <a:ext uri="{FF2B5EF4-FFF2-40B4-BE49-F238E27FC236}">
+                <a16:creationId xmlns:a16="http://schemas.microsoft.com/office/drawing/2014/main" id="{250BF3B0-25D5-44F8-8DFA-5B8BA955D761}"/>
+              </a:ext>
+            </a:extLst>
+          </p:cNvPr>
+          <p:cNvSpPr>
+            <a:spLocks noGrp="1"/>
+          </p:cNvSpPr>
+          <p:nvPr>
+            <p:ph type="title"/>
+          </p:nvPr>
+        </p:nvSpPr>
+        <p:spPr/>
+        <p:txBody>
+          <a:bodyPr/>
+          <a:lstStyle/>
+          <a:p>
+            <a:r>
+              <a:rPr lang="zh-CN" altLang="en-US" dirty="0"/>
+              <a:t>设计模式</a:t>
+            </a:r>
+            <a:r>
+              <a:rPr lang="en-US" altLang="zh-CN" dirty="0"/>
+              <a:t>-</a:t>
+            </a:r>
+            <a:r>
+              <a:rPr lang="zh-CN" altLang="en-US" dirty="0"/>
+              <a:t>单例模式</a:t>
+            </a:r>
+          </a:p>
+        </p:txBody>
+      </p:sp>
+      <p:sp>
+        <p:nvSpPr>
+          <p:cNvPr id="3" name="内容占位符 2">
+            <a:extLst>
+              <a:ext uri="{FF2B5EF4-FFF2-40B4-BE49-F238E27FC236}">
+                <a16:creationId xmlns:a16="http://schemas.microsoft.com/office/drawing/2014/main" id="{429BC199-D579-4D28-9928-15990EFA0012}"/>
+              </a:ext>
+            </a:extLst>
+          </p:cNvPr>
+          <p:cNvSpPr>
+            <a:spLocks noGrp="1"/>
+          </p:cNvSpPr>
+          <p:nvPr>
+            <p:ph idx="1"/>
+          </p:nvPr>
+        </p:nvSpPr>
+        <p:spPr>
+          <a:xfrm>
+            <a:off x="838200" y="1825625"/>
+            <a:ext cx="10515600" cy="1018243"/>
+          </a:xfrm>
+        </p:spPr>
+        <p:txBody>
+          <a:bodyPr>
+            <a:normAutofit fontScale="55000" lnSpcReduction="20000"/>
+          </a:bodyPr>
+          <a:lstStyle/>
+          <a:p>
+            <a:r>
+              <a:rPr lang="zh-CN" altLang="en-US" dirty="0"/>
+              <a:t>实现单例模式主要使用静态实例化方式</a:t>
+            </a:r>
+            <a:endParaRPr lang="en-US" altLang="zh-CN" dirty="0"/>
+          </a:p>
+          <a:p>
+            <a:pPr lvl="1"/>
+            <a:r>
+              <a:rPr lang="zh-CN" altLang="en-US" dirty="0"/>
+              <a:t>为了解决多线程并发产生多个实例，可以使用如下两种方式</a:t>
+            </a:r>
+            <a:endParaRPr lang="en-US" altLang="zh-CN" dirty="0"/>
+          </a:p>
+          <a:p>
+            <a:pPr lvl="2"/>
+            <a:r>
+              <a:rPr lang="en-US" altLang="zh-CN" dirty="0"/>
+              <a:t>1</a:t>
+            </a:r>
+            <a:r>
+              <a:rPr lang="zh-CN" altLang="en-US" dirty="0"/>
+              <a:t>、使用</a:t>
+            </a:r>
+            <a:r>
+              <a:rPr lang="en-US" altLang="zh-CN" dirty="0"/>
+              <a:t>synchronized</a:t>
+            </a:r>
+            <a:r>
+              <a:rPr lang="zh-CN" altLang="en-US" dirty="0"/>
+              <a:t>静态方法方式来获得实例，此方式性能会下降</a:t>
+            </a:r>
+            <a:r>
+              <a:rPr lang="en-US" altLang="zh-CN" dirty="0"/>
+              <a:t>100</a:t>
+            </a:r>
+            <a:r>
+              <a:rPr lang="zh-CN" altLang="en-US" dirty="0"/>
+              <a:t>倍</a:t>
+            </a:r>
+            <a:endParaRPr lang="en-US" altLang="zh-CN" dirty="0"/>
+          </a:p>
+          <a:p>
+            <a:pPr lvl="2"/>
+            <a:r>
+              <a:rPr lang="en-US" altLang="zh-CN" dirty="0"/>
+              <a:t>2</a:t>
+            </a:r>
+            <a:r>
+              <a:rPr lang="zh-CN" altLang="en-US" dirty="0"/>
+              <a:t>、依赖</a:t>
+            </a:r>
+            <a:r>
+              <a:rPr lang="en-US" altLang="zh-CN" dirty="0" err="1"/>
+              <a:t>jvm</a:t>
+            </a:r>
+            <a:r>
+              <a:rPr lang="zh-CN" altLang="en-US" dirty="0"/>
+              <a:t>在加载类时马上创建唯一的单例实例，</a:t>
+            </a:r>
+            <a:r>
+              <a:rPr lang="en-US" altLang="zh-CN" dirty="0" err="1"/>
+              <a:t>jvm</a:t>
+            </a:r>
+            <a:r>
+              <a:rPr lang="zh-CN" altLang="en-US" dirty="0"/>
+              <a:t>保证在任何线程访问静态变量之前一定会先创建此实例</a:t>
+            </a:r>
+            <a:endParaRPr lang="en-US" altLang="zh-CN" dirty="0"/>
+          </a:p>
+          <a:p>
+            <a:pPr lvl="2"/>
+            <a:r>
+              <a:rPr lang="en-US" altLang="zh-CN" dirty="0"/>
+              <a:t>3</a:t>
+            </a:r>
+            <a:r>
+              <a:rPr lang="zh-CN" altLang="en-US" dirty="0"/>
+              <a:t>、使用双重检查加锁，在实例中减少使用同步</a:t>
+            </a:r>
+          </a:p>
+        </p:txBody>
+      </p:sp>
+      <p:pic>
+        <p:nvPicPr>
+          <p:cNvPr id="4" name="图片 3">
+            <a:extLst>
+              <a:ext uri="{FF2B5EF4-FFF2-40B4-BE49-F238E27FC236}">
+                <a16:creationId xmlns:a16="http://schemas.microsoft.com/office/drawing/2014/main" id="{7A4FB4D8-DE95-4A84-8C51-A52F3FA750AA}"/>
+              </a:ext>
+            </a:extLst>
+          </p:cNvPr>
+          <p:cNvPicPr>
+            <a:picLocks noChangeAspect="1"/>
+          </p:cNvPicPr>
+          <p:nvPr/>
+        </p:nvPicPr>
+        <p:blipFill>
+          <a:blip r:embed="rId2"/>
+          <a:stretch>
+            <a:fillRect/>
+          </a:stretch>
+        </p:blipFill>
+        <p:spPr>
+          <a:xfrm>
+            <a:off x="5802367" y="2978805"/>
+            <a:ext cx="6314131" cy="2783044"/>
+          </a:xfrm>
+          <a:prstGeom prst="rect">
+            <a:avLst/>
+          </a:prstGeom>
+        </p:spPr>
+      </p:pic>
+      <p:pic>
+        <p:nvPicPr>
+          <p:cNvPr id="5" name="图片 4">
+            <a:extLst>
+              <a:ext uri="{FF2B5EF4-FFF2-40B4-BE49-F238E27FC236}">
+                <a16:creationId xmlns:a16="http://schemas.microsoft.com/office/drawing/2014/main" id="{576D6FE3-10BD-4DCC-8561-2BE388291818}"/>
+              </a:ext>
+            </a:extLst>
+          </p:cNvPr>
+          <p:cNvPicPr>
+            <a:picLocks noChangeAspect="1"/>
+          </p:cNvPicPr>
+          <p:nvPr/>
+        </p:nvPicPr>
+        <p:blipFill>
+          <a:blip r:embed="rId3"/>
+          <a:stretch>
+            <a:fillRect/>
+          </a:stretch>
+        </p:blipFill>
+        <p:spPr>
+          <a:xfrm>
+            <a:off x="352337" y="4822975"/>
+            <a:ext cx="4955079" cy="1877747"/>
+          </a:xfrm>
+          <a:prstGeom prst="rect">
+            <a:avLst/>
+          </a:prstGeom>
+        </p:spPr>
+      </p:pic>
+      <p:pic>
+        <p:nvPicPr>
+          <p:cNvPr id="6" name="图片 5">
+            <a:extLst>
+              <a:ext uri="{FF2B5EF4-FFF2-40B4-BE49-F238E27FC236}">
+                <a16:creationId xmlns:a16="http://schemas.microsoft.com/office/drawing/2014/main" id="{6C6FADB1-48AD-4290-A988-EBEA30063CE1}"/>
+              </a:ext>
+            </a:extLst>
+          </p:cNvPr>
+          <p:cNvPicPr>
+            <a:picLocks noChangeAspect="1"/>
+          </p:cNvPicPr>
+          <p:nvPr/>
+        </p:nvPicPr>
+        <p:blipFill>
+          <a:blip r:embed="rId4"/>
+          <a:stretch>
+            <a:fillRect/>
+          </a:stretch>
+        </p:blipFill>
+        <p:spPr>
+          <a:xfrm>
+            <a:off x="352337" y="3103927"/>
+            <a:ext cx="4720286" cy="1566756"/>
+          </a:xfrm>
+          <a:prstGeom prst="rect">
+            <a:avLst/>
+          </a:prstGeom>
+        </p:spPr>
+      </p:pic>
+    </p:spTree>
+    <p:extLst>
+      <p:ext uri="{BB962C8B-B14F-4D97-AF65-F5344CB8AC3E}">
+        <p14:creationId xmlns:p14="http://schemas.microsoft.com/office/powerpoint/2010/main" val="1620726330"/>
       </p:ext>
     </p:extLst>
   </p:cSld>
